--- a/PO.pptx
+++ b/PO.pptx
@@ -2959,7 +2959,7 @@
                   </a:outerShdw>
                 </a:effectLst>
               </a:rPr>
-              <a:t>Diwali Sales Data Analaysics</a:t>
+              <a:t>Data Science Job Salaries</a:t>
             </a:r>
             <a:endParaRPr lang="en-US" b="1" dirty="0">
               <a:solidFill>
@@ -3039,15 +3039,94 @@
           </a:p>
         </p:txBody>
       </p:sp>
+      <p:sp>
+        <p:nvSpPr>
+          <p:cNvPr id="6" name="Text Box 5"/>
+          <p:cNvSpPr txBox="1"/>
+          <p:nvPr/>
+        </p:nvSpPr>
+        <p:spPr>
+          <a:xfrm>
+            <a:off x="6273800" y="6082665"/>
+            <a:ext cx="5080000" cy="383540"/>
+          </a:xfrm>
+          <a:prstGeom prst="rect">
+            <a:avLst/>
+          </a:prstGeom>
+        </p:spPr>
+        <p:txBody>
+          <a:bodyPr>
+            <a:spAutoFit/>
+          </a:bodyPr>
+          <a:p>
+            <a:pPr>
+              <a:lnSpc>
+                <a:spcPts val="1140"/>
+              </a:lnSpc>
+            </a:pPr>
+            <a:r>
+              <a:rPr sz="1600" b="1">
+                <a:solidFill>
+                  <a:srgbClr val="FF0000"/>
+                </a:solidFill>
+                <a:latin typeface="Consolas" panose="020B0609020204030204"/>
+                <a:ea typeface="Consolas" panose="020B0609020204030204"/>
+              </a:rPr>
+              <a:t>Large-scale industries provide a greater number of jobs</a:t>
+            </a:r>
+            <a:endParaRPr sz="1600" b="1">
+              <a:solidFill>
+                <a:srgbClr val="FF0000"/>
+              </a:solidFill>
+              <a:latin typeface="Consolas" panose="020B0609020204030204"/>
+              <a:ea typeface="Consolas" panose="020B0609020204030204"/>
+            </a:endParaRPr>
+          </a:p>
+        </p:txBody>
+      </p:sp>
+      <p:sp>
+        <p:nvSpPr>
+          <p:cNvPr id="7" name="Text Box 6"/>
+          <p:cNvSpPr txBox="1"/>
+          <p:nvPr/>
+        </p:nvSpPr>
+        <p:spPr>
+          <a:xfrm>
+            <a:off x="1009650" y="6082348"/>
+            <a:ext cx="5080000" cy="583565"/>
+          </a:xfrm>
+          <a:prstGeom prst="rect">
+            <a:avLst/>
+          </a:prstGeom>
+        </p:spPr>
+        <p:txBody>
+          <a:bodyPr>
+            <a:spAutoFit/>
+          </a:bodyPr>
+          <a:p>
+            <a:r>
+              <a:rPr sz="1600" b="1">
+                <a:solidFill>
+                  <a:srgbClr val="FF0000"/>
+                </a:solidFill>
+              </a:rPr>
+              <a:t>Small-scale industries have a broader salary distribution range compared to large and medium-sized industries</a:t>
+            </a:r>
+            <a:endParaRPr sz="1600" b="1">
+              <a:solidFill>
+                <a:srgbClr val="FF0000"/>
+              </a:solidFill>
+            </a:endParaRPr>
+          </a:p>
+        </p:txBody>
+      </p:sp>
       <p:pic>
         <p:nvPicPr>
-          <p:cNvPr id="4" name="Content Placeholder 3" descr="po1"/>
+          <p:cNvPr id="3" name="Picture 2" descr="d3"/>
           <p:cNvPicPr>
             <a:picLocks noChangeAspect="1"/>
           </p:cNvPicPr>
-          <p:nvPr>
-            <p:ph sz="half" idx="1"/>
-          </p:nvPr>
+          <p:nvPr/>
         </p:nvPicPr>
         <p:blipFill>
           <a:blip r:embed="rId1"/>
@@ -3057,8 +3136,8 @@
         </p:blipFill>
         <p:spPr>
           <a:xfrm>
-            <a:off x="838200" y="2079625"/>
-            <a:ext cx="5181600" cy="3843020"/>
+            <a:off x="506095" y="1948180"/>
+            <a:ext cx="5295265" cy="3985895"/>
           </a:xfrm>
           <a:prstGeom prst="rect">
             <a:avLst/>
@@ -3067,12 +3146,12 @@
       </p:pic>
       <p:pic>
         <p:nvPicPr>
-          <p:cNvPr id="5" name="Content Placeholder 4" descr="p02"/>
+          <p:cNvPr id="10" name="Content Placeholder 9" descr="d4"/>
           <p:cNvPicPr>
             <a:picLocks noChangeAspect="1"/>
           </p:cNvPicPr>
           <p:nvPr>
-            <p:ph sz="half" idx="2"/>
+            <p:ph idx="1"/>
           </p:nvPr>
         </p:nvPicPr>
         <p:blipFill>
@@ -3083,95 +3162,14 @@
         </p:blipFill>
         <p:spPr>
           <a:xfrm>
-            <a:off x="6172200" y="2067560"/>
-            <a:ext cx="5181600" cy="3866515"/>
+            <a:off x="6273800" y="1948180"/>
+            <a:ext cx="5416550" cy="3985895"/>
           </a:xfrm>
           <a:prstGeom prst="rect">
             <a:avLst/>
           </a:prstGeom>
         </p:spPr>
       </p:pic>
-      <p:sp>
-        <p:nvSpPr>
-          <p:cNvPr id="6" name="Text Box 5"/>
-          <p:cNvSpPr txBox="1"/>
-          <p:nvPr/>
-        </p:nvSpPr>
-        <p:spPr>
-          <a:xfrm>
-            <a:off x="6273800" y="6082665"/>
-            <a:ext cx="5080000" cy="383540"/>
-          </a:xfrm>
-          <a:prstGeom prst="rect">
-            <a:avLst/>
-          </a:prstGeom>
-        </p:spPr>
-        <p:txBody>
-          <a:bodyPr>
-            <a:spAutoFit/>
-          </a:bodyPr>
-          <a:p>
-            <a:pPr>
-              <a:lnSpc>
-                <a:spcPts val="1140"/>
-              </a:lnSpc>
-            </a:pPr>
-            <a:r>
-              <a:rPr sz="1600" b="1">
-                <a:solidFill>
-                  <a:srgbClr val="FF0000"/>
-                </a:solidFill>
-                <a:latin typeface="Consolas" panose="020B0609020204030204"/>
-                <a:ea typeface="Consolas" panose="020B0609020204030204"/>
-              </a:rPr>
-              <a:t>The graph shows that the female count is higher than the male count</a:t>
-            </a:r>
-            <a:endParaRPr sz="1600" b="1">
-              <a:solidFill>
-                <a:srgbClr val="FF0000"/>
-              </a:solidFill>
-              <a:latin typeface="Consolas" panose="020B0609020204030204"/>
-              <a:ea typeface="Consolas" panose="020B0609020204030204"/>
-            </a:endParaRPr>
-          </a:p>
-        </p:txBody>
-      </p:sp>
-      <p:sp>
-        <p:nvSpPr>
-          <p:cNvPr id="7" name="Text Box 6"/>
-          <p:cNvSpPr txBox="1"/>
-          <p:nvPr/>
-        </p:nvSpPr>
-        <p:spPr>
-          <a:xfrm>
-            <a:off x="1009650" y="6082348"/>
-            <a:ext cx="5080000" cy="337185"/>
-          </a:xfrm>
-          <a:prstGeom prst="rect">
-            <a:avLst/>
-          </a:prstGeom>
-        </p:spPr>
-        <p:txBody>
-          <a:bodyPr>
-            <a:spAutoFit/>
-          </a:bodyPr>
-          <a:p>
-            <a:r>
-              <a:rPr sz="1600" b="1">
-                <a:solidFill>
-                  <a:srgbClr val="FF0000"/>
-                </a:solidFill>
-              </a:rPr>
-              <a:t>The graph shows which age group has the highest count.</a:t>
-            </a:r>
-            <a:endParaRPr sz="1600" b="1">
-              <a:solidFill>
-                <a:srgbClr val="FF0000"/>
-              </a:solidFill>
-            </a:endParaRPr>
-          </a:p>
-        </p:txBody>
-      </p:sp>
     </p:spTree>
   </p:cSld>
   <p:clrMapOvr>
@@ -3255,9 +3253,12 @@
         <p:txBody>
           <a:bodyPr/>
           <a:p>
+            <a:pPr marL="0" indent="0">
+              <a:buNone/>
+            </a:pPr>
             <a:r>
               <a:rPr lang="en-US"/>
-              <a:t>This project focuses on analyzing and visualizing sales data collected during the Diwali season using Python technologies such as pandas, seaborn, and matplotlib. The primary objective is to clean and prepare the dataset for in-depth analysis, ensuring that the data is accurate and relevant. Following the data cleaning process, various visualization techniques will be employed to uncover trends and patterns in the sales data. The insights gained from this project will provide valuable information on consumer behavior and sales performance during Diwali, aiding in strategic decision-making for future marketing campaigns.</a:t>
+              <a:t>This project analyzes and visualizes salary data to uncover patterns and relationships across job roles and company sizes, utilizing Python and libraries like Pandas, Seaborn, and Matplotlib. Through comprehensive data preprocessing, including handling missing values and standardizing salary figures, and employing various visualization techniques such as histograms, box plots and count plot, the project provides insights into how salaries vary with remote work ratios and company sizes. The findings help in understanding salary distributions and can guide compensation and employment decisions</a:t>
             </a:r>
             <a:endParaRPr lang="en-US"/>
           </a:p>
@@ -3526,7 +3527,7 @@
           <a:p>
             <a:r>
               <a:rPr lang="en-US"/>
-              <a:t>Dataset: We have a dataset containing Diwali sales information.</a:t>
+              <a:t>Dataset: We have a dataset containing Data Science Job Salaries.</a:t>
             </a:r>
             <a:endParaRPr lang="en-US"/>
           </a:p>
@@ -3547,7 +3548,17 @@
           <a:p>
             <a:r>
               <a:rPr lang="en-US"/>
-              <a:t>Outcome: Identify trends, patterns, and relationships within the data to inform strategic decisions related to Diwali sales.</a:t>
+              <a:t>Outcome: Identify trends, patterns, and relationships within the data to inform strategic decisions related to </a:t>
+            </a:r>
+            <a:r>
+              <a:rPr lang="en-US">
+                <a:sym typeface="+mn-ea"/>
+              </a:rPr>
+              <a:t>Data Science Job Salaries</a:t>
+            </a:r>
+            <a:r>
+              <a:rPr lang="en-US"/>
+              <a:t>.</a:t>
             </a:r>
             <a:endParaRPr lang="en-US"/>
           </a:p>
@@ -3631,47 +3642,56 @@
         <p:spPr/>
         <p:txBody>
           <a:bodyPr>
-            <a:normAutofit fontScale="90000" lnSpcReduction="20000"/>
+            <a:normAutofit lnSpcReduction="20000"/>
           </a:bodyPr>
           <a:p>
+            <a:pPr marL="0" indent="0">
+              <a:buFont typeface="Wingdings" panose="05000000000000000000" charset="0"/>
+              <a:buNone/>
+            </a:pPr>
             <a:r>
               <a:rPr lang="en-US"/>
-              <a:t>The Diwali season is a crucial period for businesses, marked by a significant increase in consumer spending.</a:t>
-            </a:r>
-            <a:endParaRPr lang="en-US"/>
-          </a:p>
-          <a:p>
+              <a:t>Understanding salary dynamics in the modern job market is challenging due to varying factors such as company size, remote work arrangements, and job roles. Employers need to make informed decisions about compensation to attract and retain talent, while employees seek clarity on how different factors affect their salary expectations.</a:t>
+            </a:r>
+            <a:endParaRPr lang="en-US"/>
+          </a:p>
+          <a:p>
+            <a:pPr marL="0" indent="0">
+              <a:buFont typeface="Wingdings" panose="05000000000000000000" charset="0"/>
+              <a:buNone/>
+            </a:pPr>
+            <a:endParaRPr lang="en-US"/>
+          </a:p>
+          <a:p>
+            <a:pPr>
+              <a:buFont typeface="Wingdings" panose="05000000000000000000" charset="0"/>
+              <a:buChar char="v"/>
+            </a:pPr>
             <a:r>
               <a:rPr lang="en-US"/>
-              <a:t>Analyzing and understanding the large and complex sales data from this period can be difficult.</a:t>
-            </a:r>
-            <a:endParaRPr lang="en-US"/>
-          </a:p>
-          <a:p>
+              <a:t>Analyze how salaries differ across small, medium, and large companies.</a:t>
+            </a:r>
+            <a:endParaRPr lang="en-US"/>
+          </a:p>
+          <a:p>
+            <a:pPr>
+              <a:buFont typeface="Wingdings" panose="05000000000000000000" charset="0"/>
+              <a:buChar char="v"/>
+            </a:pPr>
             <a:r>
               <a:rPr lang="en-US"/>
-              <a:t>Without proper analysis, businesses may miss out on key insights, leading to suboptimal sales strategies, inventory management, and marketing efforts.</a:t>
-            </a:r>
-            <a:endParaRPr lang="en-US"/>
-          </a:p>
-          <a:p>
+              <a:t>Investigate the relationship between remote work ratios (no remote, partially remote, fully remote) and salary levels.</a:t>
+            </a:r>
+            <a:endParaRPr lang="en-US"/>
+          </a:p>
+          <a:p>
+            <a:pPr>
+              <a:buFont typeface="Wingdings" panose="05000000000000000000" charset="0"/>
+              <a:buChar char="v"/>
+            </a:pPr>
             <a:r>
               <a:rPr lang="en-US"/>
-              <a:t>This project aims to solve the challenge of extracting actionable insights from Diwali sales data.</a:t>
-            </a:r>
-            <a:endParaRPr lang="en-US"/>
-          </a:p>
-          <a:p>
-            <a:r>
-              <a:rPr lang="en-US"/>
-              <a:t>We will use data analysis and visualization tools like pandas, seaborn, and Matplotlib to clean, analyze, and visualize the data.</a:t>
-            </a:r>
-            <a:endParaRPr lang="en-US"/>
-          </a:p>
-          <a:p>
-            <a:r>
-              <a:rPr lang="en-US"/>
-              <a:t>The goal is to uncover trends, patterns, and relationships that will help businesses make informed decisions during the Diwali season</a:t>
+              <a:t>Examine how various job titles affect salary distributions.</a:t>
             </a:r>
             <a:endParaRPr lang="en-US"/>
           </a:p>
@@ -3719,7 +3739,7 @@
       </p:sp>
       <p:pic>
         <p:nvPicPr>
-          <p:cNvPr id="4" name="Content Placeholder 3" descr="dataset"/>
+          <p:cNvPr id="5" name="Content Placeholder 4" descr="salary_dataset"/>
           <p:cNvPicPr>
             <a:picLocks noChangeAspect="1"/>
           </p:cNvPicPr>
@@ -3735,8 +3755,8 @@
         </p:blipFill>
         <p:spPr>
           <a:xfrm>
-            <a:off x="1003300" y="1329690"/>
-            <a:ext cx="10351135" cy="5004435"/>
+            <a:off x="625475" y="1575435"/>
+            <a:ext cx="11094720" cy="5044440"/>
           </a:xfrm>
           <a:prstGeom prst="rect">
             <a:avLst/>
@@ -3829,7 +3849,27 @@
           <a:p>
             <a:r>
               <a:rPr lang="en-US" sz="2400"/>
-              <a:t>Obtain the dataset containing Diwali sales information, which includes various attributes related to sales transactions during the Diwali season.</a:t>
+              <a:t>Obtain the dataset containing </a:t>
+            </a:r>
+            <a:r>
+              <a:rPr lang="en-US" sz="2400">
+                <a:sym typeface="+mn-ea"/>
+              </a:rPr>
+              <a:t>Data Science Job Salaries</a:t>
+            </a:r>
+            <a:r>
+              <a:rPr lang="en-US" sz="2400"/>
+              <a:t> information, which includes various attributes related to </a:t>
+            </a:r>
+            <a:r>
+              <a:rPr lang="en-US" sz="2400">
+                <a:sym typeface="+mn-ea"/>
+              </a:rPr>
+              <a:t>Data Science Job Salaries</a:t>
+            </a:r>
+            <a:r>
+              <a:rPr lang="en-US" sz="2400"/>
+              <a:t>.</a:t>
             </a:r>
             <a:endParaRPr lang="en-US" sz="2400"/>
           </a:p>
